--- a/images/MetaTractsToFiberScout_workflow.pptx
+++ b/images/MetaTractsToFiberScout_workflow.pptx
@@ -6,6 +6,7 @@
   </p:sldMasterIdLst>
   <p:sldIdLst>
     <p:sldId id="258" r:id="rId2"/>
+    <p:sldId id="259" r:id="rId3"/>
   </p:sldIdLst>
   <p:sldSz cx="18240375" cy="7589838"/>
   <p:notesSz cx="6858000" cy="9144000"/>
@@ -294,7 +295,7 @@
           <a:p>
             <a:fld id="{C8B20E13-1A6A-4603-9C14-E1B2C305C46D}" type="datetimeFigureOut">
               <a:rPr lang="en-US" smtClean="0"/>
-              <a:t>6/16/2015</a:t>
+              <a:t>6/17/2015</a:t>
             </a:fld>
             <a:endParaRPr lang="en-US"/>
           </a:p>
@@ -464,7 +465,7 @@
           <a:p>
             <a:fld id="{C8B20E13-1A6A-4603-9C14-E1B2C305C46D}" type="datetimeFigureOut">
               <a:rPr lang="en-US" smtClean="0"/>
-              <a:t>6/16/2015</a:t>
+              <a:t>6/17/2015</a:t>
             </a:fld>
             <a:endParaRPr lang="en-US"/>
           </a:p>
@@ -644,7 +645,7 @@
           <a:p>
             <a:fld id="{C8B20E13-1A6A-4603-9C14-E1B2C305C46D}" type="datetimeFigureOut">
               <a:rPr lang="en-US" smtClean="0"/>
-              <a:t>6/16/2015</a:t>
+              <a:t>6/17/2015</a:t>
             </a:fld>
             <a:endParaRPr lang="en-US"/>
           </a:p>
@@ -814,7 +815,7 @@
           <a:p>
             <a:fld id="{C8B20E13-1A6A-4603-9C14-E1B2C305C46D}" type="datetimeFigureOut">
               <a:rPr lang="en-US" smtClean="0"/>
-              <a:t>6/16/2015</a:t>
+              <a:t>6/17/2015</a:t>
             </a:fld>
             <a:endParaRPr lang="en-US"/>
           </a:p>
@@ -1060,7 +1061,7 @@
           <a:p>
             <a:fld id="{C8B20E13-1A6A-4603-9C14-E1B2C305C46D}" type="datetimeFigureOut">
               <a:rPr lang="en-US" smtClean="0"/>
-              <a:t>6/16/2015</a:t>
+              <a:t>6/17/2015</a:t>
             </a:fld>
             <a:endParaRPr lang="en-US"/>
           </a:p>
@@ -1348,7 +1349,7 @@
           <a:p>
             <a:fld id="{C8B20E13-1A6A-4603-9C14-E1B2C305C46D}" type="datetimeFigureOut">
               <a:rPr lang="en-US" smtClean="0"/>
-              <a:t>6/16/2015</a:t>
+              <a:t>6/17/2015</a:t>
             </a:fld>
             <a:endParaRPr lang="en-US"/>
           </a:p>
@@ -1775,7 +1776,7 @@
           <a:p>
             <a:fld id="{C8B20E13-1A6A-4603-9C14-E1B2C305C46D}" type="datetimeFigureOut">
               <a:rPr lang="en-US" smtClean="0"/>
-              <a:t>6/16/2015</a:t>
+              <a:t>6/17/2015</a:t>
             </a:fld>
             <a:endParaRPr lang="en-US"/>
           </a:p>
@@ -1893,7 +1894,7 @@
           <a:p>
             <a:fld id="{C8B20E13-1A6A-4603-9C14-E1B2C305C46D}" type="datetimeFigureOut">
               <a:rPr lang="en-US" smtClean="0"/>
-              <a:t>6/16/2015</a:t>
+              <a:t>6/17/2015</a:t>
             </a:fld>
             <a:endParaRPr lang="en-US"/>
           </a:p>
@@ -1988,7 +1989,7 @@
           <a:p>
             <a:fld id="{C8B20E13-1A6A-4603-9C14-E1B2C305C46D}" type="datetimeFigureOut">
               <a:rPr lang="en-US" smtClean="0"/>
-              <a:t>6/16/2015</a:t>
+              <a:t>6/17/2015</a:t>
             </a:fld>
             <a:endParaRPr lang="en-US"/>
           </a:p>
@@ -2265,7 +2266,7 @@
           <a:p>
             <a:fld id="{C8B20E13-1A6A-4603-9C14-E1B2C305C46D}" type="datetimeFigureOut">
               <a:rPr lang="en-US" smtClean="0"/>
-              <a:t>6/16/2015</a:t>
+              <a:t>6/17/2015</a:t>
             </a:fld>
             <a:endParaRPr lang="en-US"/>
           </a:p>
@@ -2518,7 +2519,7 @@
           <a:p>
             <a:fld id="{C8B20E13-1A6A-4603-9C14-E1B2C305C46D}" type="datetimeFigureOut">
               <a:rPr lang="en-US" smtClean="0"/>
-              <a:t>6/16/2015</a:t>
+              <a:t>6/17/2015</a:t>
             </a:fld>
             <a:endParaRPr lang="en-US"/>
           </a:p>
@@ -2731,7 +2732,7 @@
           <a:p>
             <a:fld id="{C8B20E13-1A6A-4603-9C14-E1B2C305C46D}" type="datetimeFigureOut">
               <a:rPr lang="en-US" smtClean="0"/>
-              <a:t>6/16/2015</a:t>
+              <a:t>6/17/2015</a:t>
             </a:fld>
             <a:endParaRPr lang="en-US"/>
           </a:p>
@@ -3186,7 +3187,7 @@
         </p:nvSpPr>
         <p:spPr>
           <a:xfrm>
-            <a:off x="4118510" y="3109119"/>
+            <a:off x="4118510" y="3114913"/>
             <a:ext cx="2606345" cy="451406"/>
           </a:xfrm>
           <a:prstGeom prst="rect">
@@ -3312,7 +3313,15 @@
                   <a:srgbClr val="238B45"/>
                 </a:solidFill>
               </a:rPr>
-              <a:t>Clustered Fiber </a:t>
+              <a:t>Clustered </a:t>
+            </a:r>
+            <a:r>
+              <a:rPr lang="en-US" sz="3200" dirty="0" smtClean="0">
+                <a:solidFill>
+                  <a:srgbClr val="238B45"/>
+                </a:solidFill>
+              </a:rPr>
+              <a:t>Fiber </a:t>
             </a:r>
           </a:p>
           <a:p>
@@ -3702,7 +3711,7 @@
                   <a:srgbClr val="238B45"/>
                 </a:solidFill>
               </a:rPr>
-              <a:t>Calculate Fiber</a:t>
+              <a:t>Calculated Fiber</a:t>
             </a:r>
           </a:p>
           <a:p>
@@ -3735,7 +3744,7 @@
         </p:nvCxnSpPr>
         <p:spPr>
           <a:xfrm>
-            <a:off x="2947987" y="1854967"/>
+            <a:off x="2947987" y="1705838"/>
             <a:ext cx="893511" cy="0"/>
           </a:xfrm>
           <a:prstGeom prst="straightConnector1">
@@ -3771,7 +3780,7 @@
         </p:nvCxnSpPr>
         <p:spPr>
           <a:xfrm>
-            <a:off x="7215187" y="1853176"/>
+            <a:off x="7215187" y="1704047"/>
             <a:ext cx="893511" cy="0"/>
           </a:xfrm>
           <a:prstGeom prst="straightConnector1">
@@ -3807,7 +3816,7 @@
         </p:nvGrpSpPr>
         <p:grpSpPr>
           <a:xfrm>
-            <a:off x="626884" y="975519"/>
+            <a:off x="626884" y="826390"/>
             <a:ext cx="1940897" cy="1984472"/>
             <a:chOff x="-4214808" y="3322205"/>
             <a:chExt cx="1940897" cy="1984472"/>
@@ -3942,7 +3951,7 @@
         </p:nvGrpSpPr>
         <p:grpSpPr>
           <a:xfrm>
-            <a:off x="4479456" y="977262"/>
+            <a:off x="4479456" y="828133"/>
             <a:ext cx="1940896" cy="1984471"/>
             <a:chOff x="4517521" y="976020"/>
             <a:chExt cx="1940896" cy="1984471"/>
@@ -4201,7 +4210,7 @@
         </p:nvGrpSpPr>
         <p:grpSpPr>
           <a:xfrm>
-            <a:off x="8477052" y="972248"/>
+            <a:off x="8477052" y="829075"/>
             <a:ext cx="1940896" cy="1984471"/>
             <a:chOff x="8862097" y="972248"/>
             <a:chExt cx="1940896" cy="1984471"/>
@@ -4418,8 +4427,8 @@
         </p:nvSpPr>
         <p:spPr>
           <a:xfrm>
-            <a:off x="8114042" y="3102943"/>
-            <a:ext cx="2606345" cy="470000"/>
+            <a:off x="8129587" y="2953814"/>
+            <a:ext cx="2606345" cy="829073"/>
           </a:xfrm>
           <a:prstGeom prst="rect">
             <a:avLst/>
@@ -4443,7 +4452,7 @@
                   <a:srgbClr val="238B45"/>
                 </a:solidFill>
               </a:rPr>
-              <a:t>FiberScout</a:t>
+              <a:t>Bundles Exploration</a:t>
             </a:r>
             <a:endParaRPr lang="en-US" sz="3200" dirty="0">
               <a:solidFill>
@@ -4457,6 +4466,1449 @@
     <p:extLst>
       <p:ext uri="{BB962C8B-B14F-4D97-AF65-F5344CB8AC3E}">
         <p14:creationId xmlns:p14="http://schemas.microsoft.com/office/powerpoint/2010/main" val="1139569722"/>
+      </p:ext>
+    </p:extLst>
+  </p:cSld>
+  <p:clrMapOvr>
+    <a:masterClrMapping/>
+  </p:clrMapOvr>
+  <p:timing>
+    <p:tnLst>
+      <p:par>
+        <p:cTn id="1" dur="indefinite" restart="never" nodeType="tmRoot"/>
+      </p:par>
+    </p:tnLst>
+  </p:timing>
+</p:sld>
+</file>
+
+<file path=ppt/slides/slide2.xml><?xml version="1.0" encoding="utf-8"?>
+<p:sld xmlns:a="http://schemas.openxmlformats.org/drawingml/2006/main" xmlns:r="http://schemas.openxmlformats.org/officeDocument/2006/relationships" xmlns:p="http://schemas.openxmlformats.org/presentationml/2006/main">
+  <p:cSld>
+    <p:spTree>
+      <p:nvGrpSpPr>
+        <p:cNvPr id="1" name=""/>
+        <p:cNvGrpSpPr/>
+        <p:nvPr/>
+      </p:nvGrpSpPr>
+      <p:grpSpPr>
+        <a:xfrm>
+          <a:off x="0" y="0"/>
+          <a:ext cx="0" cy="0"/>
+          <a:chOff x="0" y="0"/>
+          <a:chExt cx="0" cy="0"/>
+        </a:xfrm>
+      </p:grpSpPr>
+      <p:cxnSp>
+        <p:nvCxnSpPr>
+          <p:cNvPr id="139" name="Straight Connector 295"/>
+          <p:cNvCxnSpPr/>
+          <p:nvPr/>
+        </p:nvCxnSpPr>
+        <p:spPr>
+          <a:xfrm>
+            <a:off x="6786000" y="76202"/>
+            <a:ext cx="0" cy="3794917"/>
+          </a:xfrm>
+          <a:prstGeom prst="line">
+            <a:avLst/>
+          </a:prstGeom>
+          <a:ln w="101600" cap="rnd">
+            <a:solidFill>
+              <a:srgbClr val="BAE3D6"/>
+            </a:solidFill>
+            <a:prstDash val="sysDot"/>
+          </a:ln>
+        </p:spPr>
+        <p:style>
+          <a:lnRef idx="1">
+            <a:schemeClr val="accent1"/>
+          </a:lnRef>
+          <a:fillRef idx="0">
+            <a:schemeClr val="accent1"/>
+          </a:fillRef>
+          <a:effectRef idx="0">
+            <a:schemeClr val="accent1"/>
+          </a:effectRef>
+          <a:fontRef idx="minor">
+            <a:schemeClr val="tx1"/>
+          </a:fontRef>
+        </p:style>
+      </p:cxnSp>
+      <p:cxnSp>
+        <p:nvCxnSpPr>
+          <p:cNvPr id="140" name="Straight Connector 387"/>
+          <p:cNvCxnSpPr/>
+          <p:nvPr/>
+        </p:nvCxnSpPr>
+        <p:spPr>
+          <a:xfrm>
+            <a:off x="3294000" y="76202"/>
+            <a:ext cx="0" cy="3718717"/>
+          </a:xfrm>
+          <a:prstGeom prst="line">
+            <a:avLst/>
+          </a:prstGeom>
+          <a:ln w="101600" cap="rnd">
+            <a:solidFill>
+              <a:srgbClr val="BAE3D6"/>
+            </a:solidFill>
+            <a:prstDash val="sysDot"/>
+          </a:ln>
+        </p:spPr>
+        <p:style>
+          <a:lnRef idx="1">
+            <a:schemeClr val="accent1"/>
+          </a:lnRef>
+          <a:fillRef idx="0">
+            <a:schemeClr val="accent1"/>
+          </a:fillRef>
+          <a:effectRef idx="0">
+            <a:schemeClr val="accent1"/>
+          </a:effectRef>
+          <a:fontRef idx="minor">
+            <a:schemeClr val="tx1"/>
+          </a:fontRef>
+        </p:style>
+      </p:cxnSp>
+      <p:sp>
+        <p:nvSpPr>
+          <p:cNvPr id="145" name="TextBox 274"/>
+          <p:cNvSpPr txBox="1"/>
+          <p:nvPr/>
+        </p:nvSpPr>
+        <p:spPr>
+          <a:xfrm>
+            <a:off x="3661310" y="3114913"/>
+            <a:ext cx="2606345" cy="451406"/>
+          </a:xfrm>
+          <a:prstGeom prst="rect">
+            <a:avLst/>
+          </a:prstGeom>
+          <a:noFill/>
+        </p:spPr>
+        <p:txBody>
+          <a:bodyPr wrap="square" rtlCol="0">
+            <a:spAutoFit/>
+          </a:bodyPr>
+          <a:lstStyle/>
+          <a:p>
+            <a:pPr algn="ctr">
+              <a:lnSpc>
+                <a:spcPts val="2800"/>
+              </a:lnSpc>
+            </a:pPr>
+            <a:r>
+              <a:rPr lang="en-US" sz="3200" dirty="0" smtClean="0">
+                <a:solidFill>
+                  <a:srgbClr val="238B45"/>
+                </a:solidFill>
+              </a:rPr>
+              <a:t>Write CSV File</a:t>
+            </a:r>
+            <a:endParaRPr lang="en-US" sz="3200" dirty="0">
+              <a:solidFill>
+                <a:srgbClr val="238B45"/>
+              </a:solidFill>
+            </a:endParaRPr>
+          </a:p>
+        </p:txBody>
+      </p:sp>
+      <p:sp>
+        <p:nvSpPr>
+          <p:cNvPr id="305" name="TextBox 371"/>
+          <p:cNvSpPr txBox="1"/>
+          <p:nvPr/>
+        </p:nvSpPr>
+        <p:spPr>
+          <a:xfrm>
+            <a:off x="5866484" y="2"/>
+            <a:ext cx="5234903" cy="829073"/>
+          </a:xfrm>
+          <a:prstGeom prst="rect">
+            <a:avLst/>
+          </a:prstGeom>
+          <a:noFill/>
+        </p:spPr>
+        <p:txBody>
+          <a:bodyPr wrap="square" rtlCol="0">
+            <a:spAutoFit/>
+          </a:bodyPr>
+          <a:lstStyle/>
+          <a:p>
+            <a:pPr algn="ctr">
+              <a:lnSpc>
+                <a:spcPts val="2800"/>
+              </a:lnSpc>
+            </a:pPr>
+            <a:r>
+              <a:rPr lang="en-US" sz="3200" dirty="0" smtClean="0">
+                <a:solidFill>
+                  <a:srgbClr val="238B45"/>
+                </a:solidFill>
+              </a:rPr>
+              <a:t>Interactive Fiber </a:t>
+            </a:r>
+          </a:p>
+          <a:p>
+            <a:pPr algn="ctr">
+              <a:lnSpc>
+                <a:spcPts val="2800"/>
+              </a:lnSpc>
+            </a:pPr>
+            <a:r>
+              <a:rPr lang="en-US" sz="3200" dirty="0" smtClean="0">
+                <a:solidFill>
+                  <a:srgbClr val="238B45"/>
+                </a:solidFill>
+              </a:rPr>
+              <a:t>Bundles Analysis</a:t>
+            </a:r>
+            <a:endParaRPr lang="en-US" sz="3200" dirty="0">
+              <a:solidFill>
+                <a:srgbClr val="238B45"/>
+              </a:solidFill>
+            </a:endParaRPr>
+          </a:p>
+        </p:txBody>
+      </p:sp>
+      <p:sp>
+        <p:nvSpPr>
+          <p:cNvPr id="308" name="TextBox 390"/>
+          <p:cNvSpPr txBox="1"/>
+          <p:nvPr/>
+        </p:nvSpPr>
+        <p:spPr>
+          <a:xfrm>
+            <a:off x="-23020" y="-434"/>
+            <a:ext cx="3341379" cy="810478"/>
+          </a:xfrm>
+          <a:prstGeom prst="rect">
+            <a:avLst/>
+          </a:prstGeom>
+          <a:noFill/>
+        </p:spPr>
+        <p:txBody>
+          <a:bodyPr wrap="square" rtlCol="0">
+            <a:spAutoFit/>
+          </a:bodyPr>
+          <a:lstStyle/>
+          <a:p>
+            <a:pPr algn="ctr">
+              <a:lnSpc>
+                <a:spcPts val="2800"/>
+              </a:lnSpc>
+            </a:pPr>
+            <a:r>
+              <a:rPr lang="en-US" sz="3200" dirty="0" err="1" smtClean="0">
+                <a:solidFill>
+                  <a:srgbClr val="238B45"/>
+                </a:solidFill>
+              </a:rPr>
+              <a:t>Voxelized</a:t>
+            </a:r>
+            <a:r>
+              <a:rPr lang="en-US" sz="3200" dirty="0" smtClean="0">
+                <a:solidFill>
+                  <a:srgbClr val="238B45"/>
+                </a:solidFill>
+              </a:rPr>
+              <a:t> </a:t>
+            </a:r>
+            <a:r>
+              <a:rPr lang="en-US" sz="3200" dirty="0" smtClean="0">
+                <a:solidFill>
+                  <a:srgbClr val="238B45"/>
+                </a:solidFill>
+              </a:rPr>
+              <a:t>Fiber </a:t>
+            </a:r>
+          </a:p>
+          <a:p>
+            <a:pPr algn="ctr">
+              <a:lnSpc>
+                <a:spcPts val="2800"/>
+              </a:lnSpc>
+            </a:pPr>
+            <a:r>
+              <a:rPr lang="en-US" sz="3200" dirty="0" smtClean="0">
+                <a:solidFill>
+                  <a:srgbClr val="238B45"/>
+                </a:solidFill>
+              </a:rPr>
+              <a:t>Bundles Dataset</a:t>
+            </a:r>
+            <a:endParaRPr lang="en-US" sz="3200" dirty="0">
+              <a:solidFill>
+                <a:srgbClr val="238B45"/>
+              </a:solidFill>
+            </a:endParaRPr>
+          </a:p>
+        </p:txBody>
+      </p:sp>
+      <p:grpSp>
+        <p:nvGrpSpPr>
+          <p:cNvPr id="326" name="Group 285"/>
+          <p:cNvGrpSpPr/>
+          <p:nvPr/>
+        </p:nvGrpSpPr>
+        <p:grpSpPr>
+          <a:xfrm>
+            <a:off x="2962800" y="3885648"/>
+            <a:ext cx="3581400" cy="735949"/>
+            <a:chOff x="5390529" y="6659614"/>
+            <a:chExt cx="3581400" cy="735949"/>
+          </a:xfrm>
+        </p:grpSpPr>
+        <p:pic>
+          <p:nvPicPr>
+            <p:cNvPr id="327" name="Picture 286"/>
+            <p:cNvPicPr>
+              <a:picLocks noChangeAspect="1"/>
+            </p:cNvPicPr>
+            <p:nvPr/>
+          </p:nvPicPr>
+          <p:blipFill>
+            <a:blip r:embed="rId2" cstate="print">
+              <a:duotone>
+                <a:prstClr val="black"/>
+                <a:schemeClr val="bg2">
+                  <a:lumMod val="75000"/>
+                  <a:tint val="45000"/>
+                  <a:satMod val="400000"/>
+                </a:schemeClr>
+              </a:duotone>
+              <a:extLst>
+                <a:ext uri="{28A0092B-C50C-407E-A947-70E740481C1C}">
+                  <a14:useLocalDpi xmlns:a14="http://schemas.microsoft.com/office/drawing/2010/main" val="0"/>
+                </a:ext>
+              </a:extLst>
+            </a:blip>
+            <a:stretch>
+              <a:fillRect/>
+            </a:stretch>
+          </p:blipFill>
+          <p:spPr>
+            <a:xfrm>
+              <a:off x="5390529" y="6659614"/>
+              <a:ext cx="660921" cy="735949"/>
+            </a:xfrm>
+            <a:prstGeom prst="rect">
+              <a:avLst/>
+            </a:prstGeom>
+          </p:spPr>
+        </p:pic>
+        <p:sp>
+          <p:nvSpPr>
+            <p:cNvPr id="328" name="Rounded Rectangle 287"/>
+            <p:cNvSpPr/>
+            <p:nvPr/>
+          </p:nvSpPr>
+          <p:spPr>
+            <a:xfrm>
+              <a:off x="6151101" y="6659614"/>
+              <a:ext cx="2820828" cy="735949"/>
+            </a:xfrm>
+            <a:prstGeom prst="roundRect">
+              <a:avLst/>
+            </a:prstGeom>
+            <a:solidFill>
+              <a:srgbClr val="BAE3D6"/>
+            </a:solidFill>
+            <a:ln>
+              <a:noFill/>
+            </a:ln>
+          </p:spPr>
+          <p:style>
+            <a:lnRef idx="2">
+              <a:schemeClr val="accent1">
+                <a:shade val="50000"/>
+              </a:schemeClr>
+            </a:lnRef>
+            <a:fillRef idx="1">
+              <a:schemeClr val="accent1"/>
+            </a:fillRef>
+            <a:effectRef idx="0">
+              <a:schemeClr val="accent1"/>
+            </a:effectRef>
+            <a:fontRef idx="minor">
+              <a:schemeClr val="lt1"/>
+            </a:fontRef>
+          </p:style>
+          <p:txBody>
+            <a:bodyPr rtlCol="0" anchor="ctr"/>
+            <a:lstStyle/>
+            <a:p>
+              <a:pPr algn="ctr"/>
+              <a:r>
+                <a:rPr lang="en-US" sz="3200" dirty="0" smtClean="0">
+                  <a:solidFill>
+                    <a:srgbClr val="238B45"/>
+                  </a:solidFill>
+                </a:rPr>
+                <a:t>Computations</a:t>
+              </a:r>
+              <a:endParaRPr lang="en-US" sz="3200" dirty="0">
+                <a:solidFill>
+                  <a:srgbClr val="238B45"/>
+                </a:solidFill>
+              </a:endParaRPr>
+            </a:p>
+          </p:txBody>
+        </p:sp>
+      </p:grpSp>
+      <p:grpSp>
+        <p:nvGrpSpPr>
+          <p:cNvPr id="329" name="Group 288"/>
+          <p:cNvGrpSpPr/>
+          <p:nvPr/>
+        </p:nvGrpSpPr>
+        <p:grpSpPr>
+          <a:xfrm>
+            <a:off x="0" y="3885648"/>
+            <a:ext cx="2567781" cy="735949"/>
+            <a:chOff x="1075231" y="6659614"/>
+            <a:chExt cx="2567781" cy="735949"/>
+          </a:xfrm>
+        </p:grpSpPr>
+        <p:pic>
+          <p:nvPicPr>
+            <p:cNvPr id="330" name="Picture 289"/>
+            <p:cNvPicPr>
+              <a:picLocks noChangeAspect="1"/>
+            </p:cNvPicPr>
+            <p:nvPr/>
+          </p:nvPicPr>
+          <p:blipFill>
+            <a:blip r:embed="rId3">
+              <a:duotone>
+                <a:prstClr val="black"/>
+                <a:schemeClr val="bg2">
+                  <a:lumMod val="50000"/>
+                  <a:tint val="45000"/>
+                  <a:satMod val="400000"/>
+                </a:schemeClr>
+              </a:duotone>
+              <a:extLst>
+                <a:ext uri="{28A0092B-C50C-407E-A947-70E740481C1C}">
+                  <a14:useLocalDpi xmlns:a14="http://schemas.microsoft.com/office/drawing/2010/main" val="0"/>
+                </a:ext>
+              </a:extLst>
+            </a:blip>
+            <a:stretch>
+              <a:fillRect/>
+            </a:stretch>
+          </p:blipFill>
+          <p:spPr>
+            <a:xfrm>
+              <a:off x="1075231" y="6659614"/>
+              <a:ext cx="660921" cy="735949"/>
+            </a:xfrm>
+            <a:prstGeom prst="rect">
+              <a:avLst/>
+            </a:prstGeom>
+          </p:spPr>
+        </p:pic>
+        <p:sp>
+          <p:nvSpPr>
+            <p:cNvPr id="331" name="Rounded Rectangle 290"/>
+            <p:cNvSpPr/>
+            <p:nvPr/>
+          </p:nvSpPr>
+          <p:spPr>
+            <a:xfrm>
+              <a:off x="1871251" y="6659614"/>
+              <a:ext cx="1771761" cy="735949"/>
+            </a:xfrm>
+            <a:prstGeom prst="roundRect">
+              <a:avLst/>
+            </a:prstGeom>
+            <a:solidFill>
+              <a:srgbClr val="BAE3D6"/>
+            </a:solidFill>
+            <a:ln>
+              <a:noFill/>
+            </a:ln>
+          </p:spPr>
+          <p:style>
+            <a:lnRef idx="2">
+              <a:schemeClr val="accent1">
+                <a:shade val="50000"/>
+              </a:schemeClr>
+            </a:lnRef>
+            <a:fillRef idx="1">
+              <a:schemeClr val="accent1"/>
+            </a:fillRef>
+            <a:effectRef idx="0">
+              <a:schemeClr val="accent1"/>
+            </a:effectRef>
+            <a:fontRef idx="minor">
+              <a:schemeClr val="lt1"/>
+            </a:fontRef>
+          </p:style>
+          <p:txBody>
+            <a:bodyPr rtlCol="0" anchor="ctr"/>
+            <a:lstStyle/>
+            <a:p>
+              <a:pPr algn="ctr"/>
+              <a:r>
+                <a:rPr lang="en-US" sz="3200" dirty="0" smtClean="0">
+                  <a:solidFill>
+                    <a:srgbClr val="238B45"/>
+                  </a:solidFill>
+                </a:rPr>
+                <a:t>Data</a:t>
+              </a:r>
+              <a:endParaRPr lang="en-US" sz="3200" dirty="0">
+                <a:solidFill>
+                  <a:srgbClr val="238B45"/>
+                </a:solidFill>
+              </a:endParaRPr>
+            </a:p>
+          </p:txBody>
+        </p:sp>
+      </p:grpSp>
+      <p:grpSp>
+        <p:nvGrpSpPr>
+          <p:cNvPr id="332" name="Group 291"/>
+          <p:cNvGrpSpPr/>
+          <p:nvPr/>
+        </p:nvGrpSpPr>
+        <p:grpSpPr>
+          <a:xfrm>
+            <a:off x="6910386" y="3871119"/>
+            <a:ext cx="3200401" cy="765007"/>
+            <a:chOff x="14073103" y="6645085"/>
+            <a:chExt cx="3200401" cy="765007"/>
+          </a:xfrm>
+        </p:grpSpPr>
+        <p:pic>
+          <p:nvPicPr>
+            <p:cNvPr id="333" name="Picture 292"/>
+            <p:cNvPicPr>
+              <a:picLocks noChangeAspect="1"/>
+            </p:cNvPicPr>
+            <p:nvPr/>
+          </p:nvPicPr>
+          <p:blipFill>
+            <a:blip r:embed="rId4" cstate="print">
+              <a:duotone>
+                <a:schemeClr val="accent3">
+                  <a:shade val="45000"/>
+                  <a:satMod val="135000"/>
+                </a:schemeClr>
+                <a:prstClr val="white"/>
+              </a:duotone>
+              <a:extLst>
+                <a:ext uri="{28A0092B-C50C-407E-A947-70E740481C1C}">
+                  <a14:useLocalDpi xmlns:a14="http://schemas.microsoft.com/office/drawing/2010/main" val="0"/>
+                </a:ext>
+              </a:extLst>
+            </a:blip>
+            <a:stretch>
+              <a:fillRect/>
+            </a:stretch>
+          </p:blipFill>
+          <p:spPr>
+            <a:xfrm>
+              <a:off x="14073103" y="6645085"/>
+              <a:ext cx="670700" cy="765007"/>
+            </a:xfrm>
+            <a:prstGeom prst="rect">
+              <a:avLst/>
+            </a:prstGeom>
+          </p:spPr>
+        </p:pic>
+        <p:sp>
+          <p:nvSpPr>
+            <p:cNvPr id="334" name="Rounded Rectangle 293"/>
+            <p:cNvSpPr/>
+            <p:nvPr/>
+          </p:nvSpPr>
+          <p:spPr>
+            <a:xfrm>
+              <a:off x="14868484" y="6659614"/>
+              <a:ext cx="2405020" cy="735950"/>
+            </a:xfrm>
+            <a:prstGeom prst="roundRect">
+              <a:avLst/>
+            </a:prstGeom>
+            <a:solidFill>
+              <a:srgbClr val="BAE3D6"/>
+            </a:solidFill>
+            <a:ln>
+              <a:noFill/>
+            </a:ln>
+          </p:spPr>
+          <p:style>
+            <a:lnRef idx="2">
+              <a:schemeClr val="accent1">
+                <a:shade val="50000"/>
+              </a:schemeClr>
+            </a:lnRef>
+            <a:fillRef idx="1">
+              <a:schemeClr val="accent1"/>
+            </a:fillRef>
+            <a:effectRef idx="0">
+              <a:schemeClr val="accent1"/>
+            </a:effectRef>
+            <a:fontRef idx="minor">
+              <a:schemeClr val="lt1"/>
+            </a:fontRef>
+          </p:style>
+          <p:txBody>
+            <a:bodyPr rtlCol="0" anchor="ctr"/>
+            <a:lstStyle/>
+            <a:p>
+              <a:pPr algn="ctr"/>
+              <a:r>
+                <a:rPr lang="en-US" sz="3200" dirty="0" smtClean="0">
+                  <a:solidFill>
+                    <a:srgbClr val="238B45"/>
+                  </a:solidFill>
+                </a:rPr>
+                <a:t>Visualization</a:t>
+              </a:r>
+              <a:endParaRPr lang="en-US" sz="3200" dirty="0">
+                <a:solidFill>
+                  <a:srgbClr val="238B45"/>
+                </a:solidFill>
+              </a:endParaRPr>
+            </a:p>
+          </p:txBody>
+        </p:sp>
+      </p:grpSp>
+      <p:sp>
+        <p:nvSpPr>
+          <p:cNvPr id="363" name="TextBox 390"/>
+          <p:cNvSpPr txBox="1"/>
+          <p:nvPr/>
+        </p:nvSpPr>
+        <p:spPr>
+          <a:xfrm>
+            <a:off x="2894400" y="-15081"/>
+            <a:ext cx="4196608" cy="810478"/>
+          </a:xfrm>
+          <a:prstGeom prst="rect">
+            <a:avLst/>
+          </a:prstGeom>
+          <a:noFill/>
+        </p:spPr>
+        <p:txBody>
+          <a:bodyPr wrap="square" rtlCol="0">
+            <a:spAutoFit/>
+          </a:bodyPr>
+          <a:lstStyle/>
+          <a:p>
+            <a:pPr algn="ctr">
+              <a:lnSpc>
+                <a:spcPts val="2800"/>
+              </a:lnSpc>
+            </a:pPr>
+            <a:r>
+              <a:rPr lang="en-US" sz="3200" dirty="0" smtClean="0">
+                <a:solidFill>
+                  <a:srgbClr val="238B45"/>
+                </a:solidFill>
+              </a:rPr>
+              <a:t>Calculated Fiber</a:t>
+            </a:r>
+          </a:p>
+          <a:p>
+            <a:pPr algn="ctr">
+              <a:lnSpc>
+                <a:spcPts val="2800"/>
+              </a:lnSpc>
+            </a:pPr>
+            <a:r>
+              <a:rPr lang="en-US" sz="3200" dirty="0" smtClean="0">
+                <a:solidFill>
+                  <a:srgbClr val="238B45"/>
+                </a:solidFill>
+              </a:rPr>
+              <a:t> Bundles Features</a:t>
+            </a:r>
+            <a:endParaRPr lang="en-US" sz="3200" dirty="0">
+              <a:solidFill>
+                <a:srgbClr val="238B45"/>
+              </a:solidFill>
+            </a:endParaRPr>
+          </a:p>
+        </p:txBody>
+      </p:sp>
+      <p:cxnSp>
+        <p:nvCxnSpPr>
+          <p:cNvPr id="364" name="Gerade Verbindung mit Pfeil 363"/>
+          <p:cNvCxnSpPr/>
+          <p:nvPr/>
+        </p:nvCxnSpPr>
+        <p:spPr>
+          <a:xfrm>
+            <a:off x="2871787" y="1846800"/>
+            <a:ext cx="893511" cy="0"/>
+          </a:xfrm>
+          <a:prstGeom prst="straightConnector1">
+            <a:avLst/>
+          </a:prstGeom>
+          <a:ln w="88900">
+            <a:solidFill>
+              <a:srgbClr val="238B45"/>
+            </a:solidFill>
+            <a:tailEnd type="triangle"/>
+          </a:ln>
+        </p:spPr>
+        <p:style>
+          <a:lnRef idx="1">
+            <a:schemeClr val="accent1"/>
+          </a:lnRef>
+          <a:fillRef idx="0">
+            <a:schemeClr val="accent1"/>
+          </a:fillRef>
+          <a:effectRef idx="0">
+            <a:schemeClr val="accent1"/>
+          </a:effectRef>
+          <a:fontRef idx="minor">
+            <a:schemeClr val="tx1"/>
+          </a:fontRef>
+        </p:style>
+      </p:cxnSp>
+      <p:cxnSp>
+        <p:nvCxnSpPr>
+          <p:cNvPr id="365" name="Gerade Verbindung mit Pfeil 364"/>
+          <p:cNvCxnSpPr/>
+          <p:nvPr/>
+        </p:nvCxnSpPr>
+        <p:spPr>
+          <a:xfrm>
+            <a:off x="6397876" y="1846800"/>
+            <a:ext cx="893511" cy="0"/>
+          </a:xfrm>
+          <a:prstGeom prst="straightConnector1">
+            <a:avLst/>
+          </a:prstGeom>
+          <a:ln w="88900">
+            <a:solidFill>
+              <a:srgbClr val="238B45"/>
+            </a:solidFill>
+            <a:tailEnd type="triangle"/>
+          </a:ln>
+        </p:spPr>
+        <p:style>
+          <a:lnRef idx="1">
+            <a:schemeClr val="accent1"/>
+          </a:lnRef>
+          <a:fillRef idx="0">
+            <a:schemeClr val="accent1"/>
+          </a:fillRef>
+          <a:effectRef idx="0">
+            <a:schemeClr val="accent1"/>
+          </a:effectRef>
+          <a:fontRef idx="minor">
+            <a:schemeClr val="tx1"/>
+          </a:fontRef>
+        </p:style>
+      </p:cxnSp>
+      <p:grpSp>
+        <p:nvGrpSpPr>
+          <p:cNvPr id="7" name="Gruppieren 6"/>
+          <p:cNvGrpSpPr/>
+          <p:nvPr/>
+        </p:nvGrpSpPr>
+        <p:grpSpPr>
+          <a:xfrm>
+            <a:off x="626884" y="864000"/>
+            <a:ext cx="1940897" cy="1984472"/>
+            <a:chOff x="-4214808" y="3322205"/>
+            <a:chExt cx="1940897" cy="1984472"/>
+          </a:xfrm>
+        </p:grpSpPr>
+        <p:sp>
+          <p:nvSpPr>
+            <p:cNvPr id="169" name="Rounded Rectangle 331"/>
+            <p:cNvSpPr/>
+            <p:nvPr/>
+          </p:nvSpPr>
+          <p:spPr>
+            <a:xfrm>
+              <a:off x="-4214808" y="3322205"/>
+              <a:ext cx="1940897" cy="1984472"/>
+            </a:xfrm>
+            <a:prstGeom prst="roundRect">
+              <a:avLst/>
+            </a:prstGeom>
+            <a:solidFill>
+              <a:srgbClr val="238B45"/>
+            </a:solidFill>
+            <a:ln w="127000">
+              <a:noFill/>
+            </a:ln>
+          </p:spPr>
+          <p:style>
+            <a:lnRef idx="2">
+              <a:schemeClr val="accent6">
+                <a:shade val="50000"/>
+              </a:schemeClr>
+            </a:lnRef>
+            <a:fillRef idx="1">
+              <a:schemeClr val="accent6"/>
+            </a:fillRef>
+            <a:effectRef idx="0">
+              <a:schemeClr val="accent6"/>
+            </a:effectRef>
+            <a:fontRef idx="minor">
+              <a:schemeClr val="lt1"/>
+            </a:fontRef>
+          </p:style>
+          <p:txBody>
+            <a:bodyPr rtlCol="0" anchor="ctr"/>
+            <a:lstStyle/>
+            <a:p>
+              <a:pPr algn="ctr"/>
+              <a:endParaRPr lang="en-US" sz="3200" dirty="0"/>
+            </a:p>
+          </p:txBody>
+        </p:sp>
+        <p:pic>
+          <p:nvPicPr>
+            <p:cNvPr id="194" name="Picture 391"/>
+            <p:cNvPicPr>
+              <a:picLocks noChangeAspect="1"/>
+            </p:cNvPicPr>
+            <p:nvPr/>
+          </p:nvPicPr>
+          <p:blipFill>
+            <a:blip r:embed="rId3">
+              <a:lum bright="70000" contrast="-70000"/>
+              <a:extLst>
+                <a:ext uri="{28A0092B-C50C-407E-A947-70E740481C1C}">
+                  <a14:useLocalDpi xmlns:a14="http://schemas.microsoft.com/office/drawing/2010/main" val="0"/>
+                </a:ext>
+              </a:extLst>
+            </a:blip>
+            <a:stretch>
+              <a:fillRect/>
+            </a:stretch>
+          </p:blipFill>
+          <p:spPr>
+            <a:xfrm>
+              <a:off x="-4138613" y="4648768"/>
+              <a:ext cx="533400" cy="593951"/>
+            </a:xfrm>
+            <a:prstGeom prst="rect">
+              <a:avLst/>
+            </a:prstGeom>
+          </p:spPr>
+        </p:pic>
+        <p:pic>
+          <p:nvPicPr>
+            <p:cNvPr id="195" name="Picture 284"/>
+            <p:cNvPicPr>
+              <a:picLocks noChangeAspect="1"/>
+            </p:cNvPicPr>
+            <p:nvPr/>
+          </p:nvPicPr>
+          <p:blipFill>
+            <a:blip r:embed="rId5" cstate="print">
+              <a:grayscl/>
+              <a:extLst>
+                <a:ext uri="{BEBA8EAE-BF5A-486C-A8C5-ECC9F3942E4B}">
+                  <a14:imgProps xmlns:a14="http://schemas.microsoft.com/office/drawing/2010/main">
+                    <a14:imgLayer r:embed="rId6">
+                      <a14:imgEffect>
+                        <a14:backgroundRemoval t="0" b="100000" l="0" r="100000"/>
+                      </a14:imgEffect>
+                      <a14:imgEffect>
+                        <a14:brightnessContrast bright="40000" contrast="20000"/>
+                      </a14:imgEffect>
+                    </a14:imgLayer>
+                  </a14:imgProps>
+                </a:ext>
+                <a:ext uri="{28A0092B-C50C-407E-A947-70E740481C1C}">
+                  <a14:useLocalDpi xmlns:a14="http://schemas.microsoft.com/office/drawing/2010/main" val="0"/>
+                </a:ext>
+              </a:extLst>
+            </a:blip>
+            <a:stretch>
+              <a:fillRect/>
+            </a:stretch>
+          </p:blipFill>
+          <p:spPr>
+            <a:xfrm>
+              <a:off x="-3921193" y="3499915"/>
+              <a:ext cx="1494088" cy="1361804"/>
+            </a:xfrm>
+            <a:prstGeom prst="rect">
+              <a:avLst/>
+            </a:prstGeom>
+          </p:spPr>
+        </p:pic>
+      </p:grpSp>
+      <p:grpSp>
+        <p:nvGrpSpPr>
+          <p:cNvPr id="11" name="Gruppieren 10"/>
+          <p:cNvGrpSpPr/>
+          <p:nvPr/>
+        </p:nvGrpSpPr>
+        <p:grpSpPr>
+          <a:xfrm>
+            <a:off x="4022256" y="864000"/>
+            <a:ext cx="1940896" cy="1984471"/>
+            <a:chOff x="4517521" y="976020"/>
+            <a:chExt cx="1940896" cy="1984471"/>
+          </a:xfrm>
+        </p:grpSpPr>
+        <p:grpSp>
+          <p:nvGrpSpPr>
+            <p:cNvPr id="146" name="Group 275"/>
+            <p:cNvGrpSpPr/>
+            <p:nvPr/>
+          </p:nvGrpSpPr>
+          <p:grpSpPr>
+            <a:xfrm>
+              <a:off x="4517521" y="976020"/>
+              <a:ext cx="1940896" cy="1984471"/>
+              <a:chOff x="3212776" y="4044357"/>
+              <a:chExt cx="2136241" cy="2184202"/>
+            </a:xfrm>
+          </p:grpSpPr>
+          <p:sp>
+            <p:nvSpPr>
+              <p:cNvPr id="147" name="Rounded Rectangle 276"/>
+              <p:cNvSpPr/>
+              <p:nvPr/>
+            </p:nvSpPr>
+            <p:spPr>
+              <a:xfrm>
+                <a:off x="3212776" y="4044357"/>
+                <a:ext cx="2136241" cy="2184202"/>
+              </a:xfrm>
+              <a:prstGeom prst="roundRect">
+                <a:avLst/>
+              </a:prstGeom>
+              <a:solidFill>
+                <a:srgbClr val="238B45"/>
+              </a:solidFill>
+              <a:ln w="127000">
+                <a:noFill/>
+              </a:ln>
+            </p:spPr>
+            <p:style>
+              <a:lnRef idx="2">
+                <a:schemeClr val="accent6">
+                  <a:shade val="50000"/>
+                </a:schemeClr>
+              </a:lnRef>
+              <a:fillRef idx="1">
+                <a:schemeClr val="accent6"/>
+              </a:fillRef>
+              <a:effectRef idx="0">
+                <a:schemeClr val="accent6"/>
+              </a:effectRef>
+              <a:fontRef idx="minor">
+                <a:schemeClr val="lt1"/>
+              </a:fontRef>
+            </p:style>
+            <p:txBody>
+              <a:bodyPr rtlCol="0" anchor="ctr"/>
+              <a:lstStyle/>
+              <a:p>
+                <a:pPr algn="ctr"/>
+                <a:endParaRPr lang="en-US" sz="3200" dirty="0"/>
+              </a:p>
+            </p:txBody>
+          </p:sp>
+          <p:pic>
+            <p:nvPicPr>
+              <p:cNvPr id="148" name="Picture 277"/>
+              <p:cNvPicPr>
+                <a:picLocks noChangeAspect="1"/>
+              </p:cNvPicPr>
+              <p:nvPr/>
+            </p:nvPicPr>
+            <p:blipFill>
+              <a:blip r:embed="rId7" cstate="print">
+                <a:duotone>
+                  <a:schemeClr val="bg2">
+                    <a:shade val="45000"/>
+                    <a:satMod val="135000"/>
+                  </a:schemeClr>
+                  <a:prstClr val="white"/>
+                </a:duotone>
+                <a:extLst>
+                  <a:ext uri="{28A0092B-C50C-407E-A947-70E740481C1C}">
+                    <a14:useLocalDpi xmlns:a14="http://schemas.microsoft.com/office/drawing/2010/main" val="0"/>
+                  </a:ext>
+                </a:extLst>
+              </a:blip>
+              <a:stretch>
+                <a:fillRect/>
+              </a:stretch>
+            </p:blipFill>
+            <p:spPr>
+              <a:xfrm>
+                <a:off x="4592797" y="5359428"/>
+                <a:ext cx="750464" cy="835656"/>
+              </a:xfrm>
+              <a:prstGeom prst="rect">
+                <a:avLst/>
+              </a:prstGeom>
+            </p:spPr>
+          </p:pic>
+        </p:grpSp>
+        <p:pic>
+          <p:nvPicPr>
+            <p:cNvPr id="231" name="Picture 391"/>
+            <p:cNvPicPr>
+              <a:picLocks noChangeAspect="1"/>
+            </p:cNvPicPr>
+            <p:nvPr/>
+          </p:nvPicPr>
+          <p:blipFill>
+            <a:blip r:embed="rId3">
+              <a:lum bright="70000" contrast="-70000"/>
+              <a:extLst>
+                <a:ext uri="{28A0092B-C50C-407E-A947-70E740481C1C}">
+                  <a14:useLocalDpi xmlns:a14="http://schemas.microsoft.com/office/drawing/2010/main" val="0"/>
+                </a:ext>
+              </a:extLst>
+            </a:blip>
+            <a:stretch>
+              <a:fillRect/>
+            </a:stretch>
+          </p:blipFill>
+          <p:spPr>
+            <a:xfrm>
+              <a:off x="4605337" y="2304000"/>
+              <a:ext cx="533400" cy="593951"/>
+            </a:xfrm>
+            <a:prstGeom prst="rect">
+              <a:avLst/>
+            </a:prstGeom>
+          </p:spPr>
+        </p:pic>
+        <p:grpSp>
+          <p:nvGrpSpPr>
+            <p:cNvPr id="10" name="Gruppieren 9"/>
+            <p:cNvGrpSpPr/>
+            <p:nvPr/>
+          </p:nvGrpSpPr>
+          <p:grpSpPr>
+            <a:xfrm>
+              <a:off x="4945817" y="1186615"/>
+              <a:ext cx="1084304" cy="1084304"/>
+              <a:chOff x="4971255" y="1303084"/>
+              <a:chExt cx="1030287" cy="1030287"/>
+            </a:xfrm>
+          </p:grpSpPr>
+          <p:sp>
+            <p:nvSpPr>
+              <p:cNvPr id="9" name="Rechteck 8"/>
+              <p:cNvSpPr/>
+              <p:nvPr/>
+            </p:nvSpPr>
+            <p:spPr>
+              <a:xfrm>
+                <a:off x="5129212" y="1334374"/>
+                <a:ext cx="714375" cy="967708"/>
+              </a:xfrm>
+              <a:prstGeom prst="rect">
+                <a:avLst/>
+              </a:prstGeom>
+              <a:solidFill>
+                <a:schemeClr val="tx1"/>
+              </a:solidFill>
+              <a:ln>
+                <a:noFill/>
+              </a:ln>
+            </p:spPr>
+            <p:style>
+              <a:lnRef idx="2">
+                <a:schemeClr val="accent1">
+                  <a:shade val="50000"/>
+                </a:schemeClr>
+              </a:lnRef>
+              <a:fillRef idx="1">
+                <a:schemeClr val="accent1"/>
+              </a:fillRef>
+              <a:effectRef idx="0">
+                <a:schemeClr val="accent1"/>
+              </a:effectRef>
+              <a:fontRef idx="minor">
+                <a:schemeClr val="lt1"/>
+              </a:fontRef>
+            </p:style>
+            <p:txBody>
+              <a:bodyPr rtlCol="0" anchor="ctr"/>
+              <a:lstStyle/>
+              <a:p>
+                <a:pPr algn="ctr"/>
+                <a:endParaRPr lang="en-US"/>
+              </a:p>
+            </p:txBody>
+          </p:sp>
+          <p:pic>
+            <p:nvPicPr>
+              <p:cNvPr id="1026" name="Picture 2" descr="C:\Users\p41036\Desktop\stuff\black\png\doc_lines_stright_icon&amp;48.png"/>
+              <p:cNvPicPr>
+                <a:picLocks noChangeAspect="1" noChangeArrowheads="1"/>
+              </p:cNvPicPr>
+              <p:nvPr/>
+            </p:nvPicPr>
+            <p:blipFill>
+              <a:blip r:embed="rId8">
+                <a:lum bright="70000" contrast="-70000"/>
+                <a:extLst>
+                  <a:ext uri="{BEBA8EAE-BF5A-486C-A8C5-ECC9F3942E4B}">
+                    <a14:imgProps xmlns:a14="http://schemas.microsoft.com/office/drawing/2010/main">
+                      <a14:imgLayer r:embed="rId9">
+                        <a14:imgEffect>
+                          <a14:colorTemperature colorTemp="4700"/>
+                        </a14:imgEffect>
+                        <a14:imgEffect>
+                          <a14:saturation sat="0"/>
+                        </a14:imgEffect>
+                      </a14:imgLayer>
+                    </a14:imgProps>
+                  </a:ext>
+                  <a:ext uri="{28A0092B-C50C-407E-A947-70E740481C1C}">
+                    <a14:useLocalDpi xmlns:a14="http://schemas.microsoft.com/office/drawing/2010/main" val="0"/>
+                  </a:ext>
+                </a:extLst>
+              </a:blip>
+              <a:srcRect/>
+              <a:stretch>
+                <a:fillRect/>
+              </a:stretch>
+            </p:blipFill>
+            <p:spPr bwMode="auto">
+              <a:xfrm>
+                <a:off x="4971255" y="1303084"/>
+                <a:ext cx="1030287" cy="1030287"/>
+              </a:xfrm>
+              <a:prstGeom prst="rect">
+                <a:avLst/>
+              </a:prstGeom>
+              <a:noFill/>
+              <a:extLst>
+                <a:ext uri="{909E8E84-426E-40DD-AFC4-6F175D3DCCD1}">
+                  <a14:hiddenFill xmlns:a14="http://schemas.microsoft.com/office/drawing/2010/main">
+                    <a:solidFill>
+                      <a:srgbClr val="FFFFFF"/>
+                    </a:solidFill>
+                  </a14:hiddenFill>
+                </a:ext>
+              </a:extLst>
+            </p:spPr>
+          </p:pic>
+        </p:grpSp>
+      </p:grpSp>
+      <p:grpSp>
+        <p:nvGrpSpPr>
+          <p:cNvPr id="17" name="Gruppieren 16"/>
+          <p:cNvGrpSpPr/>
+          <p:nvPr/>
+        </p:nvGrpSpPr>
+        <p:grpSpPr>
+          <a:xfrm>
+            <a:off x="7638852" y="864000"/>
+            <a:ext cx="1940896" cy="1984471"/>
+            <a:chOff x="8862097" y="972248"/>
+            <a:chExt cx="1940896" cy="1984471"/>
+          </a:xfrm>
+        </p:grpSpPr>
+        <p:grpSp>
+          <p:nvGrpSpPr>
+            <p:cNvPr id="351" name="Gruppieren 350"/>
+            <p:cNvGrpSpPr/>
+            <p:nvPr/>
+          </p:nvGrpSpPr>
+          <p:grpSpPr>
+            <a:xfrm>
+              <a:off x="8862097" y="972248"/>
+              <a:ext cx="1940896" cy="1984471"/>
+              <a:chOff x="8862097" y="839715"/>
+              <a:chExt cx="1940896" cy="1984471"/>
+            </a:xfrm>
+          </p:grpSpPr>
+          <p:grpSp>
+            <p:nvGrpSpPr>
+              <p:cNvPr id="352" name="Group 372"/>
+              <p:cNvGrpSpPr/>
+              <p:nvPr/>
+            </p:nvGrpSpPr>
+            <p:grpSpPr>
+              <a:xfrm>
+                <a:off x="8862097" y="839715"/>
+                <a:ext cx="1940896" cy="1984471"/>
+                <a:chOff x="8039026" y="1186170"/>
+                <a:chExt cx="2421135" cy="2475492"/>
+              </a:xfrm>
+            </p:grpSpPr>
+            <p:sp>
+              <p:nvSpPr>
+                <p:cNvPr id="354" name="Rounded Rectangle 373"/>
+                <p:cNvSpPr/>
+                <p:nvPr/>
+              </p:nvSpPr>
+              <p:spPr>
+                <a:xfrm>
+                  <a:off x="8039026" y="1186170"/>
+                  <a:ext cx="2421135" cy="2475492"/>
+                </a:xfrm>
+                <a:prstGeom prst="roundRect">
+                  <a:avLst/>
+                </a:prstGeom>
+                <a:solidFill>
+                  <a:srgbClr val="238B45"/>
+                </a:solidFill>
+                <a:ln w="127000">
+                  <a:noFill/>
+                </a:ln>
+              </p:spPr>
+              <p:style>
+                <a:lnRef idx="2">
+                  <a:schemeClr val="accent6">
+                    <a:shade val="50000"/>
+                  </a:schemeClr>
+                </a:lnRef>
+                <a:fillRef idx="1">
+                  <a:schemeClr val="accent6"/>
+                </a:fillRef>
+                <a:effectRef idx="0">
+                  <a:schemeClr val="accent6"/>
+                </a:effectRef>
+                <a:fontRef idx="minor">
+                  <a:schemeClr val="lt1"/>
+                </a:fontRef>
+              </p:style>
+              <p:txBody>
+                <a:bodyPr rtlCol="0" anchor="ctr"/>
+                <a:lstStyle/>
+                <a:p>
+                  <a:pPr algn="ctr"/>
+                  <a:endParaRPr lang="en-US" sz="3200" dirty="0"/>
+                </a:p>
+              </p:txBody>
+            </p:sp>
+            <p:pic>
+              <p:nvPicPr>
+                <p:cNvPr id="355" name="Picture 374"/>
+                <p:cNvPicPr>
+                  <a:picLocks noChangeAspect="1"/>
+                </p:cNvPicPr>
+                <p:nvPr/>
+              </p:nvPicPr>
+              <p:blipFill>
+                <a:blip r:embed="rId7" cstate="print">
+                  <a:duotone>
+                    <a:schemeClr val="bg2">
+                      <a:shade val="45000"/>
+                      <a:satMod val="135000"/>
+                    </a:schemeClr>
+                    <a:prstClr val="white"/>
+                  </a:duotone>
+                  <a:extLst>
+                    <a:ext uri="{28A0092B-C50C-407E-A947-70E740481C1C}">
+                      <a14:useLocalDpi xmlns:a14="http://schemas.microsoft.com/office/drawing/2010/main" val="0"/>
+                    </a:ext>
+                  </a:extLst>
+                </a:blip>
+                <a:stretch>
+                  <a:fillRect/>
+                </a:stretch>
+              </p:blipFill>
+              <p:spPr>
+                <a:xfrm>
+                  <a:off x="8124773" y="2679434"/>
+                  <a:ext cx="850548" cy="947101"/>
+                </a:xfrm>
+                <a:prstGeom prst="rect">
+                  <a:avLst/>
+                </a:prstGeom>
+              </p:spPr>
+            </p:pic>
+          </p:grpSp>
+          <p:pic>
+            <p:nvPicPr>
+              <p:cNvPr id="353" name="Picture 283"/>
+              <p:cNvPicPr>
+                <a:picLocks noChangeAspect="1"/>
+              </p:cNvPicPr>
+              <p:nvPr/>
+            </p:nvPicPr>
+            <p:blipFill>
+              <a:blip r:embed="rId10" cstate="print">
+                <a:duotone>
+                  <a:schemeClr val="bg2">
+                    <a:shade val="45000"/>
+                    <a:satMod val="135000"/>
+                  </a:schemeClr>
+                  <a:prstClr val="white"/>
+                </a:duotone>
+                <a:extLst>
+                  <a:ext uri="{28A0092B-C50C-407E-A947-70E740481C1C}">
+                    <a14:useLocalDpi xmlns:a14="http://schemas.microsoft.com/office/drawing/2010/main" val="0"/>
+                  </a:ext>
+                </a:extLst>
+              </a:blip>
+              <a:stretch>
+                <a:fillRect/>
+              </a:stretch>
+            </p:blipFill>
+            <p:spPr>
+              <a:xfrm>
+                <a:off x="10186987" y="2085010"/>
+                <a:ext cx="581246" cy="662976"/>
+              </a:xfrm>
+              <a:prstGeom prst="rect">
+                <a:avLst/>
+              </a:prstGeom>
+            </p:spPr>
+          </p:pic>
+        </p:grpSp>
+        <p:pic>
+          <p:nvPicPr>
+            <p:cNvPr id="1029" name="Picture 5"/>
+            <p:cNvPicPr>
+              <a:picLocks noChangeAspect="1" noChangeArrowheads="1"/>
+            </p:cNvPicPr>
+            <p:nvPr/>
+          </p:nvPicPr>
+          <p:blipFill>
+            <a:blip r:embed="rId11" cstate="print">
+              <a:extLst>
+                <a:ext uri="{28A0092B-C50C-407E-A947-70E740481C1C}">
+                  <a14:useLocalDpi xmlns:a14="http://schemas.microsoft.com/office/drawing/2010/main" val="0"/>
+                </a:ext>
+              </a:extLst>
+            </a:blip>
+            <a:srcRect/>
+            <a:stretch>
+              <a:fillRect/>
+            </a:stretch>
+          </p:blipFill>
+          <p:spPr bwMode="auto">
+            <a:xfrm>
+              <a:off x="8973325" y="1187857"/>
+              <a:ext cx="1720215" cy="926960"/>
+            </a:xfrm>
+            <a:prstGeom prst="rect">
+              <a:avLst/>
+            </a:prstGeom>
+            <a:noFill/>
+            <a:ln w="9525">
+              <a:solidFill>
+                <a:schemeClr val="tx1">
+                  <a:lumMod val="95000"/>
+                  <a:lumOff val="5000"/>
+                </a:schemeClr>
+              </a:solidFill>
+              <a:miter lim="800000"/>
+              <a:headEnd/>
+              <a:tailEnd/>
+            </a:ln>
+            <a:extLst>
+              <a:ext uri="{909E8E84-426E-40DD-AFC4-6F175D3DCCD1}">
+                <a14:hiddenFill xmlns:a14="http://schemas.microsoft.com/office/drawing/2010/main">
+                  <a:solidFill>
+                    <a:schemeClr val="accent1"/>
+                  </a:solidFill>
+                </a14:hiddenFill>
+              </a:ext>
+            </a:extLst>
+          </p:spPr>
+        </p:pic>
+      </p:grpSp>
+      <p:sp>
+        <p:nvSpPr>
+          <p:cNvPr id="232" name="TextBox 274"/>
+          <p:cNvSpPr txBox="1"/>
+          <p:nvPr/>
+        </p:nvSpPr>
+        <p:spPr>
+          <a:xfrm>
+            <a:off x="7291387" y="2953814"/>
+            <a:ext cx="2606345" cy="829073"/>
+          </a:xfrm>
+          <a:prstGeom prst="rect">
+            <a:avLst/>
+          </a:prstGeom>
+          <a:noFill/>
+        </p:spPr>
+        <p:txBody>
+          <a:bodyPr wrap="square" rtlCol="0">
+            <a:spAutoFit/>
+          </a:bodyPr>
+          <a:lstStyle/>
+          <a:p>
+            <a:pPr algn="ctr">
+              <a:lnSpc>
+                <a:spcPts val="2800"/>
+              </a:lnSpc>
+            </a:pPr>
+            <a:r>
+              <a:rPr lang="en-US" sz="3200" dirty="0" smtClean="0">
+                <a:solidFill>
+                  <a:srgbClr val="238B45"/>
+                </a:solidFill>
+              </a:rPr>
+              <a:t>Bundles Exploration</a:t>
+            </a:r>
+            <a:endParaRPr lang="en-US" sz="3200" dirty="0">
+              <a:solidFill>
+                <a:srgbClr val="238B45"/>
+              </a:solidFill>
+            </a:endParaRPr>
+          </a:p>
+        </p:txBody>
+      </p:sp>
+      <p:sp>
+        <p:nvSpPr>
+          <p:cNvPr id="39" name="TextBox 274"/>
+          <p:cNvSpPr txBox="1"/>
+          <p:nvPr/>
+        </p:nvSpPr>
+        <p:spPr>
+          <a:xfrm>
+            <a:off x="364370" y="2955600"/>
+            <a:ext cx="2606345" cy="829073"/>
+          </a:xfrm>
+          <a:prstGeom prst="rect">
+            <a:avLst/>
+          </a:prstGeom>
+          <a:noFill/>
+        </p:spPr>
+        <p:txBody>
+          <a:bodyPr wrap="square" rtlCol="0">
+            <a:spAutoFit/>
+          </a:bodyPr>
+          <a:lstStyle/>
+          <a:p>
+            <a:pPr algn="ctr">
+              <a:lnSpc>
+                <a:spcPts val="2800"/>
+              </a:lnSpc>
+            </a:pPr>
+            <a:r>
+              <a:rPr lang="en-US" sz="3200" dirty="0" smtClean="0">
+                <a:solidFill>
+                  <a:srgbClr val="238B45"/>
+                </a:solidFill>
+              </a:rPr>
+              <a:t>Labeled Bundles</a:t>
+            </a:r>
+            <a:endParaRPr lang="en-US" sz="3200" dirty="0">
+              <a:solidFill>
+                <a:srgbClr val="238B45"/>
+              </a:solidFill>
+            </a:endParaRPr>
+          </a:p>
+        </p:txBody>
+      </p:sp>
+    </p:spTree>
+    <p:extLst>
+      <p:ext uri="{BB962C8B-B14F-4D97-AF65-F5344CB8AC3E}">
+        <p14:creationId xmlns:p14="http://schemas.microsoft.com/office/powerpoint/2010/main" val="561131892"/>
       </p:ext>
     </p:extLst>
   </p:cSld>

--- a/images/MetaTractsToFiberScout_workflow.pptx
+++ b/images/MetaTractsToFiberScout_workflow.pptx
@@ -295,7 +295,7 @@
           <a:p>
             <a:fld id="{C8B20E13-1A6A-4603-9C14-E1B2C305C46D}" type="datetimeFigureOut">
               <a:rPr lang="en-US" smtClean="0"/>
-              <a:t>6/17/2015</a:t>
+              <a:t>6/19/2015</a:t>
             </a:fld>
             <a:endParaRPr lang="en-US"/>
           </a:p>
@@ -465,7 +465,7 @@
           <a:p>
             <a:fld id="{C8B20E13-1A6A-4603-9C14-E1B2C305C46D}" type="datetimeFigureOut">
               <a:rPr lang="en-US" smtClean="0"/>
-              <a:t>6/17/2015</a:t>
+              <a:t>6/19/2015</a:t>
             </a:fld>
             <a:endParaRPr lang="en-US"/>
           </a:p>
@@ -645,7 +645,7 @@
           <a:p>
             <a:fld id="{C8B20E13-1A6A-4603-9C14-E1B2C305C46D}" type="datetimeFigureOut">
               <a:rPr lang="en-US" smtClean="0"/>
-              <a:t>6/17/2015</a:t>
+              <a:t>6/19/2015</a:t>
             </a:fld>
             <a:endParaRPr lang="en-US"/>
           </a:p>
@@ -815,7 +815,7 @@
           <a:p>
             <a:fld id="{C8B20E13-1A6A-4603-9C14-E1B2C305C46D}" type="datetimeFigureOut">
               <a:rPr lang="en-US" smtClean="0"/>
-              <a:t>6/17/2015</a:t>
+              <a:t>6/19/2015</a:t>
             </a:fld>
             <a:endParaRPr lang="en-US"/>
           </a:p>
@@ -1061,7 +1061,7 @@
           <a:p>
             <a:fld id="{C8B20E13-1A6A-4603-9C14-E1B2C305C46D}" type="datetimeFigureOut">
               <a:rPr lang="en-US" smtClean="0"/>
-              <a:t>6/17/2015</a:t>
+              <a:t>6/19/2015</a:t>
             </a:fld>
             <a:endParaRPr lang="en-US"/>
           </a:p>
@@ -1349,7 +1349,7 @@
           <a:p>
             <a:fld id="{C8B20E13-1A6A-4603-9C14-E1B2C305C46D}" type="datetimeFigureOut">
               <a:rPr lang="en-US" smtClean="0"/>
-              <a:t>6/17/2015</a:t>
+              <a:t>6/19/2015</a:t>
             </a:fld>
             <a:endParaRPr lang="en-US"/>
           </a:p>
@@ -1776,7 +1776,7 @@
           <a:p>
             <a:fld id="{C8B20E13-1A6A-4603-9C14-E1B2C305C46D}" type="datetimeFigureOut">
               <a:rPr lang="en-US" smtClean="0"/>
-              <a:t>6/17/2015</a:t>
+              <a:t>6/19/2015</a:t>
             </a:fld>
             <a:endParaRPr lang="en-US"/>
           </a:p>
@@ -1894,7 +1894,7 @@
           <a:p>
             <a:fld id="{C8B20E13-1A6A-4603-9C14-E1B2C305C46D}" type="datetimeFigureOut">
               <a:rPr lang="en-US" smtClean="0"/>
-              <a:t>6/17/2015</a:t>
+              <a:t>6/19/2015</a:t>
             </a:fld>
             <a:endParaRPr lang="en-US"/>
           </a:p>
@@ -1989,7 +1989,7 @@
           <a:p>
             <a:fld id="{C8B20E13-1A6A-4603-9C14-E1B2C305C46D}" type="datetimeFigureOut">
               <a:rPr lang="en-US" smtClean="0"/>
-              <a:t>6/17/2015</a:t>
+              <a:t>6/19/2015</a:t>
             </a:fld>
             <a:endParaRPr lang="en-US"/>
           </a:p>
@@ -2266,7 +2266,7 @@
           <a:p>
             <a:fld id="{C8B20E13-1A6A-4603-9C14-E1B2C305C46D}" type="datetimeFigureOut">
               <a:rPr lang="en-US" smtClean="0"/>
-              <a:t>6/17/2015</a:t>
+              <a:t>6/19/2015</a:t>
             </a:fld>
             <a:endParaRPr lang="en-US"/>
           </a:p>
@@ -2519,7 +2519,7 @@
           <a:p>
             <a:fld id="{C8B20E13-1A6A-4603-9C14-E1B2C305C46D}" type="datetimeFigureOut">
               <a:rPr lang="en-US" smtClean="0"/>
-              <a:t>6/17/2015</a:t>
+              <a:t>6/19/2015</a:t>
             </a:fld>
             <a:endParaRPr lang="en-US"/>
           </a:p>
@@ -2732,7 +2732,7 @@
           <a:p>
             <a:fld id="{C8B20E13-1A6A-4603-9C14-E1B2C305C46D}" type="datetimeFigureOut">
               <a:rPr lang="en-US" smtClean="0"/>
-              <a:t>6/17/2015</a:t>
+              <a:t>6/19/2015</a:t>
             </a:fld>
             <a:endParaRPr lang="en-US"/>
           </a:p>
@@ -3313,15 +3313,7 @@
                   <a:srgbClr val="238B45"/>
                 </a:solidFill>
               </a:rPr>
-              <a:t>Clustered </a:t>
-            </a:r>
-            <a:r>
-              <a:rPr lang="en-US" sz="3200" dirty="0" smtClean="0">
-                <a:solidFill>
-                  <a:srgbClr val="238B45"/>
-                </a:solidFill>
-              </a:rPr>
-              <a:t>Fiber </a:t>
+              <a:t>Clustered Fiber </a:t>
             </a:r>
           </a:p>
           <a:p>
@@ -4507,8 +4499,8 @@
         </p:nvCxnSpPr>
         <p:spPr>
           <a:xfrm>
-            <a:off x="6786000" y="76202"/>
-            <a:ext cx="0" cy="3794917"/>
+            <a:off x="6376987" y="76202"/>
+            <a:ext cx="0" cy="3528000"/>
           </a:xfrm>
           <a:prstGeom prst="line">
             <a:avLst/>
@@ -4543,8 +4535,8 @@
         </p:nvCxnSpPr>
         <p:spPr>
           <a:xfrm>
-            <a:off x="3294000" y="76202"/>
-            <a:ext cx="0" cy="3718717"/>
+            <a:off x="2988407" y="76202"/>
+            <a:ext cx="0" cy="3528000"/>
           </a:xfrm>
           <a:prstGeom prst="line">
             <a:avLst/>
@@ -4579,7 +4571,7 @@
         </p:nvSpPr>
         <p:spPr>
           <a:xfrm>
-            <a:off x="3661310" y="3114913"/>
+            <a:off x="3355717" y="2962411"/>
             <a:ext cx="2606345" cy="451406"/>
           </a:xfrm>
           <a:prstGeom prst="rect">
@@ -4622,7 +4614,7 @@
         </p:nvSpPr>
         <p:spPr>
           <a:xfrm>
-            <a:off x="5866484" y="2"/>
+            <a:off x="5386387" y="2"/>
             <a:ext cx="5234903" cy="829073"/>
           </a:xfrm>
           <a:prstGeom prst="rect">
@@ -4680,7 +4672,7 @@
         </p:nvSpPr>
         <p:spPr>
           <a:xfrm>
-            <a:off x="-23020" y="-434"/>
+            <a:off x="-328613" y="-434"/>
             <a:ext cx="3341379" cy="810478"/>
           </a:xfrm>
           <a:prstGeom prst="rect">
@@ -4713,15 +4705,7 @@
                   <a:srgbClr val="238B45"/>
                 </a:solidFill>
               </a:rPr>
-              <a:t> </a:t>
-            </a:r>
-            <a:r>
-              <a:rPr lang="en-US" sz="3200" dirty="0" smtClean="0">
-                <a:solidFill>
-                  <a:srgbClr val="238B45"/>
-                </a:solidFill>
-              </a:rPr>
-              <a:t>Fiber </a:t>
+              <a:t> Fiber </a:t>
             </a:r>
           </a:p>
           <a:p>
@@ -4754,10 +4738,10 @@
         </p:nvGrpSpPr>
         <p:grpSpPr>
           <a:xfrm>
-            <a:off x="2962800" y="3885648"/>
-            <a:ext cx="3581400" cy="735949"/>
+            <a:off x="2719387" y="3596400"/>
+            <a:ext cx="3429000" cy="735949"/>
             <a:chOff x="5390529" y="6659614"/>
-            <a:chExt cx="3581400" cy="735949"/>
+            <a:chExt cx="3429000" cy="735949"/>
           </a:xfrm>
         </p:grpSpPr>
         <p:pic>
@@ -4807,7 +4791,7 @@
           <p:spPr>
             <a:xfrm>
               <a:off x="6151101" y="6659614"/>
-              <a:ext cx="2820828" cy="735949"/>
+              <a:ext cx="2668428" cy="735949"/>
             </a:xfrm>
             <a:prstGeom prst="roundRect">
               <a:avLst/>
@@ -4865,10 +4849,10 @@
         </p:nvGrpSpPr>
         <p:grpSpPr>
           <a:xfrm>
-            <a:off x="0" y="3885648"/>
-            <a:ext cx="2567781" cy="735949"/>
+            <a:off x="0" y="3596400"/>
+            <a:ext cx="2239459" cy="735949"/>
             <a:chOff x="1075231" y="6659614"/>
-            <a:chExt cx="2567781" cy="735949"/>
+            <a:chExt cx="2239459" cy="735949"/>
           </a:xfrm>
         </p:grpSpPr>
         <p:pic>
@@ -4918,7 +4902,7 @@
           <p:spPr>
             <a:xfrm>
               <a:off x="1871251" y="6659614"/>
-              <a:ext cx="1771761" cy="735949"/>
+              <a:ext cx="1443439" cy="735949"/>
             </a:xfrm>
             <a:prstGeom prst="roundRect">
               <a:avLst/>
@@ -4976,10 +4960,10 @@
         </p:nvGrpSpPr>
         <p:grpSpPr>
           <a:xfrm>
-            <a:off x="6910386" y="3871119"/>
-            <a:ext cx="3200401" cy="765007"/>
+            <a:off x="6453187" y="3596400"/>
+            <a:ext cx="3200400" cy="765007"/>
             <a:chOff x="14073103" y="6645085"/>
-            <a:chExt cx="3200401" cy="765007"/>
+            <a:chExt cx="3200400" cy="765007"/>
           </a:xfrm>
         </p:grpSpPr>
         <p:pic>
@@ -5027,8 +5011,8 @@
           </p:nvSpPr>
           <p:spPr>
             <a:xfrm>
-              <a:off x="14868484" y="6659614"/>
-              <a:ext cx="2405020" cy="735950"/>
+              <a:off x="14868484" y="6645085"/>
+              <a:ext cx="2405019" cy="735950"/>
             </a:xfrm>
             <a:prstGeom prst="roundRect">
               <a:avLst/>
@@ -5086,7 +5070,7 @@
         </p:nvSpPr>
         <p:spPr>
           <a:xfrm>
-            <a:off x="2894400" y="-15081"/>
+            <a:off x="2561379" y="-15081"/>
             <a:ext cx="4196608" cy="810478"/>
           </a:xfrm>
           <a:prstGeom prst="rect">
@@ -5144,7 +5128,7 @@
         </p:nvCxnSpPr>
         <p:spPr>
           <a:xfrm>
-            <a:off x="2871787" y="1846800"/>
+            <a:off x="2566194" y="1767593"/>
             <a:ext cx="893511" cy="0"/>
           </a:xfrm>
           <a:prstGeom prst="straightConnector1">
@@ -5180,7 +5164,7 @@
         </p:nvCxnSpPr>
         <p:spPr>
           <a:xfrm>
-            <a:off x="6397876" y="1846800"/>
+            <a:off x="5995987" y="1767593"/>
             <a:ext cx="893511" cy="0"/>
           </a:xfrm>
           <a:prstGeom prst="straightConnector1">
@@ -5216,7 +5200,7 @@
         </p:nvGrpSpPr>
         <p:grpSpPr>
           <a:xfrm>
-            <a:off x="626884" y="864000"/>
+            <a:off x="451756" y="784793"/>
             <a:ext cx="1940897" cy="1984472"/>
             <a:chOff x="-4214808" y="3322205"/>
             <a:chExt cx="1940897" cy="1984472"/>
@@ -5351,7 +5335,7 @@
         </p:nvGrpSpPr>
         <p:grpSpPr>
           <a:xfrm>
-            <a:off x="4022256" y="864000"/>
+            <a:off x="3716663" y="784793"/>
             <a:ext cx="1940896" cy="1984471"/>
             <a:chOff x="4517521" y="976020"/>
             <a:chExt cx="1940896" cy="1984471"/>
@@ -5610,7 +5594,7 @@
         </p:nvGrpSpPr>
         <p:grpSpPr>
           <a:xfrm>
-            <a:off x="7638852" y="864000"/>
+            <a:off x="7138987" y="784793"/>
             <a:ext cx="1940896" cy="1984471"/>
             <a:chOff x="8862097" y="972248"/>
             <a:chExt cx="1940896" cy="1984471"/>
@@ -5827,7 +5811,7 @@
         </p:nvSpPr>
         <p:spPr>
           <a:xfrm>
-            <a:off x="7291387" y="2953814"/>
+            <a:off x="6757987" y="2801312"/>
             <a:ext cx="2606345" cy="829073"/>
           </a:xfrm>
           <a:prstGeom prst="rect">
@@ -5870,7 +5854,7 @@
         </p:nvSpPr>
         <p:spPr>
           <a:xfrm>
-            <a:off x="364370" y="2955600"/>
+            <a:off x="189242" y="2803098"/>
             <a:ext cx="2606345" cy="829073"/>
           </a:xfrm>
           <a:prstGeom prst="rect">

--- a/images/MetaTractsToFiberScout_workflow.pptx
+++ b/images/MetaTractsToFiberScout_workflow.pptx
@@ -295,7 +295,7 @@
           <a:p>
             <a:fld id="{C8B20E13-1A6A-4603-9C14-E1B2C305C46D}" type="datetimeFigureOut">
               <a:rPr lang="en-US" smtClean="0"/>
-              <a:t>6/19/2015</a:t>
+              <a:t>6/22/2015</a:t>
             </a:fld>
             <a:endParaRPr lang="en-US"/>
           </a:p>
@@ -465,7 +465,7 @@
           <a:p>
             <a:fld id="{C8B20E13-1A6A-4603-9C14-E1B2C305C46D}" type="datetimeFigureOut">
               <a:rPr lang="en-US" smtClean="0"/>
-              <a:t>6/19/2015</a:t>
+              <a:t>6/22/2015</a:t>
             </a:fld>
             <a:endParaRPr lang="en-US"/>
           </a:p>
@@ -645,7 +645,7 @@
           <a:p>
             <a:fld id="{C8B20E13-1A6A-4603-9C14-E1B2C305C46D}" type="datetimeFigureOut">
               <a:rPr lang="en-US" smtClean="0"/>
-              <a:t>6/19/2015</a:t>
+              <a:t>6/22/2015</a:t>
             </a:fld>
             <a:endParaRPr lang="en-US"/>
           </a:p>
@@ -815,7 +815,7 @@
           <a:p>
             <a:fld id="{C8B20E13-1A6A-4603-9C14-E1B2C305C46D}" type="datetimeFigureOut">
               <a:rPr lang="en-US" smtClean="0"/>
-              <a:t>6/19/2015</a:t>
+              <a:t>6/22/2015</a:t>
             </a:fld>
             <a:endParaRPr lang="en-US"/>
           </a:p>
@@ -1061,7 +1061,7 @@
           <a:p>
             <a:fld id="{C8B20E13-1A6A-4603-9C14-E1B2C305C46D}" type="datetimeFigureOut">
               <a:rPr lang="en-US" smtClean="0"/>
-              <a:t>6/19/2015</a:t>
+              <a:t>6/22/2015</a:t>
             </a:fld>
             <a:endParaRPr lang="en-US"/>
           </a:p>
@@ -1349,7 +1349,7 @@
           <a:p>
             <a:fld id="{C8B20E13-1A6A-4603-9C14-E1B2C305C46D}" type="datetimeFigureOut">
               <a:rPr lang="en-US" smtClean="0"/>
-              <a:t>6/19/2015</a:t>
+              <a:t>6/22/2015</a:t>
             </a:fld>
             <a:endParaRPr lang="en-US"/>
           </a:p>
@@ -1776,7 +1776,7 @@
           <a:p>
             <a:fld id="{C8B20E13-1A6A-4603-9C14-E1B2C305C46D}" type="datetimeFigureOut">
               <a:rPr lang="en-US" smtClean="0"/>
-              <a:t>6/19/2015</a:t>
+              <a:t>6/22/2015</a:t>
             </a:fld>
             <a:endParaRPr lang="en-US"/>
           </a:p>
@@ -1894,7 +1894,7 @@
           <a:p>
             <a:fld id="{C8B20E13-1A6A-4603-9C14-E1B2C305C46D}" type="datetimeFigureOut">
               <a:rPr lang="en-US" smtClean="0"/>
-              <a:t>6/19/2015</a:t>
+              <a:t>6/22/2015</a:t>
             </a:fld>
             <a:endParaRPr lang="en-US"/>
           </a:p>
@@ -1989,7 +1989,7 @@
           <a:p>
             <a:fld id="{C8B20E13-1A6A-4603-9C14-E1B2C305C46D}" type="datetimeFigureOut">
               <a:rPr lang="en-US" smtClean="0"/>
-              <a:t>6/19/2015</a:t>
+              <a:t>6/22/2015</a:t>
             </a:fld>
             <a:endParaRPr lang="en-US"/>
           </a:p>
@@ -2266,7 +2266,7 @@
           <a:p>
             <a:fld id="{C8B20E13-1A6A-4603-9C14-E1B2C305C46D}" type="datetimeFigureOut">
               <a:rPr lang="en-US" smtClean="0"/>
-              <a:t>6/19/2015</a:t>
+              <a:t>6/22/2015</a:t>
             </a:fld>
             <a:endParaRPr lang="en-US"/>
           </a:p>
@@ -2519,7 +2519,7 @@
           <a:p>
             <a:fld id="{C8B20E13-1A6A-4603-9C14-E1B2C305C46D}" type="datetimeFigureOut">
               <a:rPr lang="en-US" smtClean="0"/>
-              <a:t>6/19/2015</a:t>
+              <a:t>6/22/2015</a:t>
             </a:fld>
             <a:endParaRPr lang="en-US"/>
           </a:p>
@@ -2732,7 +2732,7 @@
           <a:p>
             <a:fld id="{C8B20E13-1A6A-4603-9C14-E1B2C305C46D}" type="datetimeFigureOut">
               <a:rPr lang="en-US" smtClean="0"/>
-              <a:t>6/19/2015</a:t>
+              <a:t>6/22/2015</a:t>
             </a:fld>
             <a:endParaRPr lang="en-US"/>
           </a:p>
@@ -3270,7 +3270,7 @@
                   <a:srgbClr val="238B45"/>
                 </a:solidFill>
               </a:rPr>
-              <a:t>Bundles Analysis</a:t>
+              <a:t>Bundle Analysis</a:t>
             </a:r>
             <a:endParaRPr lang="en-US" sz="3200" dirty="0">
               <a:solidFill>
@@ -3328,7 +3328,7 @@
                   <a:srgbClr val="238B45"/>
                 </a:solidFill>
               </a:rPr>
-              <a:t>Bundles Dataset</a:t>
+              <a:t>Bundle Dataset</a:t>
             </a:r>
             <a:endParaRPr lang="en-US" sz="3200" dirty="0">
               <a:solidFill>
@@ -3718,7 +3718,7 @@
                   <a:srgbClr val="238B45"/>
                 </a:solidFill>
               </a:rPr>
-              <a:t> Bundles Characteristics</a:t>
+              <a:t> Bundle Characteristics</a:t>
             </a:r>
             <a:endParaRPr lang="en-US" sz="3200" dirty="0">
               <a:solidFill>
@@ -4654,7 +4654,15 @@
                   <a:srgbClr val="238B45"/>
                 </a:solidFill>
               </a:rPr>
-              <a:t>Bundles Analysis</a:t>
+              <a:t>Bundle </a:t>
+            </a:r>
+            <a:r>
+              <a:rPr lang="en-US" sz="3200" dirty="0" smtClean="0">
+                <a:solidFill>
+                  <a:srgbClr val="238B45"/>
+                </a:solidFill>
+              </a:rPr>
+              <a:t>Analysis</a:t>
             </a:r>
             <a:endParaRPr lang="en-US" sz="3200" dirty="0">
               <a:solidFill>
@@ -4720,7 +4728,15 @@
                   <a:srgbClr val="238B45"/>
                 </a:solidFill>
               </a:rPr>
-              <a:t>Bundles Dataset</a:t>
+              <a:t>Bundle </a:t>
+            </a:r>
+            <a:r>
+              <a:rPr lang="en-US" sz="3200" dirty="0" smtClean="0">
+                <a:solidFill>
+                  <a:srgbClr val="238B45"/>
+                </a:solidFill>
+              </a:rPr>
+              <a:t>Dataset</a:t>
             </a:r>
             <a:endParaRPr lang="en-US" sz="3200" dirty="0">
               <a:solidFill>
@@ -5110,7 +5126,23 @@
                   <a:srgbClr val="238B45"/>
                 </a:solidFill>
               </a:rPr>
-              <a:t> Bundles Features</a:t>
+              <a:t> </a:t>
+            </a:r>
+            <a:r>
+              <a:rPr lang="en-US" sz="3200" dirty="0" smtClean="0">
+                <a:solidFill>
+                  <a:srgbClr val="238B45"/>
+                </a:solidFill>
+              </a:rPr>
+              <a:t>Bundle </a:t>
+            </a:r>
+            <a:r>
+              <a:rPr lang="en-US" sz="3200" dirty="0" smtClean="0">
+                <a:solidFill>
+                  <a:srgbClr val="238B45"/>
+                </a:solidFill>
+              </a:rPr>
+              <a:t>Features</a:t>
             </a:r>
             <a:endParaRPr lang="en-US" sz="3200" dirty="0">
               <a:solidFill>
@@ -5836,7 +5868,15 @@
                   <a:srgbClr val="238B45"/>
                 </a:solidFill>
               </a:rPr>
-              <a:t>Bundles Exploration</a:t>
+              <a:t>Bundle </a:t>
+            </a:r>
+            <a:r>
+              <a:rPr lang="en-US" sz="3200" dirty="0" smtClean="0">
+                <a:solidFill>
+                  <a:srgbClr val="238B45"/>
+                </a:solidFill>
+              </a:rPr>
+              <a:t>Exploration</a:t>
             </a:r>
             <a:endParaRPr lang="en-US" sz="3200" dirty="0">
               <a:solidFill>
